--- a/MSA-HOME-APP.pptx
+++ b/MSA-HOME-APP.pptx
@@ -104,7 +104,24 @@
       </a:defRPr>
     </a:lvl9pPr>
   </p:defaultTextStyle>
+  <p:extLst>
+    <p:ext uri="{EFAFB233-063F-42B5-8137-9DF3F51BA10A}">
+      <p15:sldGuideLst xmlns:p15="http://schemas.microsoft.com/office/powerpoint/2012/main"/>
+    </p:ext>
+  </p:extLst>
 </p:presentation>
+</file>
+
+<file path=ppt/commentAuthors.xml><?xml version="1.0" encoding="utf-8"?>
+<p:cmAuthorLst xmlns:a="http://schemas.openxmlformats.org/drawingml/2006/main" xmlns:r="http://schemas.openxmlformats.org/officeDocument/2006/relationships" xmlns:p="http://schemas.openxmlformats.org/presentationml/2006/main">
+  <p:cmAuthor id="1" name="CHAFIA Youness" initials="CY" lastIdx="1" clrIdx="0">
+    <p:extLst>
+      <p:ext uri="{19B8F6BF-5375-455C-9EA6-DF929625EA0E}">
+        <p15:presenceInfo xmlns:p15="http://schemas.microsoft.com/office/powerpoint/2012/main" userId="S-1-5-21-1390067357-1682526488-682003330-14741" providerId="AD"/>
+      </p:ext>
+    </p:extLst>
+  </p:cmAuthor>
+</p:cmAuthorLst>
 </file>
 
 <file path=ppt/slideLayouts/slideLayout1.xml><?xml version="1.0" encoding="utf-8"?>
@@ -3294,7 +3311,7 @@
         <p:spPr>
           <a:xfrm>
             <a:off x="4428310" y="4935798"/>
-            <a:ext cx="1663337" cy="338554"/>
+            <a:ext cx="1663337" cy="523220"/>
           </a:xfrm>
           <a:prstGeom prst="rect">
             <a:avLst/>
@@ -3310,9 +3327,21 @@
             <a:pPr algn="ctr"/>
             <a:r>
               <a:rPr lang="fr-FR" sz="1600" dirty="0" smtClean="0"/>
-              <a:t>ZUUL-Server</a:t>
-            </a:r>
-            <a:endParaRPr lang="fr-FR" sz="1600" dirty="0"/>
+              <a:t>ZUUL-Server </a:t>
+            </a:r>
+            <a:r>
+              <a:rPr lang="fr-FR" sz="1100" dirty="0" smtClean="0">
+                <a:solidFill>
+                  <a:srgbClr val="FF0000"/>
+                </a:solidFill>
+              </a:rPr>
+              <a:t>port:8080</a:t>
+            </a:r>
+            <a:endParaRPr lang="fr-FR" sz="1100" dirty="0">
+              <a:solidFill>
+                <a:srgbClr val="FF0000"/>
+              </a:solidFill>
+            </a:endParaRPr>
           </a:p>
         </p:txBody>
       </p:sp>
@@ -3799,6 +3828,84 @@
               <a:t>(Angular 8)</a:t>
             </a:r>
             <a:endParaRPr lang="fr-FR" sz="1100" dirty="0"/>
+          </a:p>
+        </p:txBody>
+      </p:sp>
+      <p:sp>
+        <p:nvSpPr>
+          <p:cNvPr id="25" name="ZoneTexte 24"/>
+          <p:cNvSpPr txBox="1"/>
+          <p:nvPr/>
+        </p:nvSpPr>
+        <p:spPr>
+          <a:xfrm>
+            <a:off x="8055430" y="1323350"/>
+            <a:ext cx="1663337" cy="261610"/>
+          </a:xfrm>
+          <a:prstGeom prst="rect">
+            <a:avLst/>
+          </a:prstGeom>
+          <a:noFill/>
+        </p:spPr>
+        <p:txBody>
+          <a:bodyPr wrap="square" rtlCol="0">
+            <a:spAutoFit/>
+          </a:bodyPr>
+          <a:lstStyle/>
+          <a:p>
+            <a:pPr algn="ctr"/>
+            <a:r>
+              <a:rPr lang="fr-FR" sz="1100" dirty="0" smtClean="0">
+                <a:solidFill>
+                  <a:srgbClr val="FF0000"/>
+                </a:solidFill>
+              </a:rPr>
+              <a:t>Port:8090</a:t>
+            </a:r>
+            <a:endParaRPr lang="fr-FR" sz="1600" dirty="0">
+              <a:solidFill>
+                <a:srgbClr val="FF0000"/>
+              </a:solidFill>
+            </a:endParaRPr>
+          </a:p>
+        </p:txBody>
+      </p:sp>
+      <p:sp>
+        <p:nvSpPr>
+          <p:cNvPr id="26" name="ZoneTexte 25"/>
+          <p:cNvSpPr txBox="1"/>
+          <p:nvPr/>
+        </p:nvSpPr>
+        <p:spPr>
+          <a:xfrm>
+            <a:off x="8090261" y="2635242"/>
+            <a:ext cx="1663337" cy="261610"/>
+          </a:xfrm>
+          <a:prstGeom prst="rect">
+            <a:avLst/>
+          </a:prstGeom>
+          <a:noFill/>
+        </p:spPr>
+        <p:txBody>
+          <a:bodyPr wrap="square" rtlCol="0">
+            <a:spAutoFit/>
+          </a:bodyPr>
+          <a:lstStyle/>
+          <a:p>
+            <a:pPr algn="ctr"/>
+            <a:r>
+              <a:rPr lang="fr-FR" sz="1100" dirty="0" smtClean="0">
+                <a:solidFill>
+                  <a:srgbClr val="FF0000"/>
+                </a:solidFill>
+              </a:rPr>
+              <a:t>Port:8070</a:t>
+            </a:r>
+            <a:endParaRPr lang="fr-FR" sz="1600" dirty="0">
+              <a:solidFill>
+                <a:srgbClr val="FF0000"/>
+              </a:solidFill>
+            </a:endParaRPr>
           </a:p>
         </p:txBody>
       </p:sp>

--- a/MSA-HOME-APP.pptx
+++ b/MSA-HOME-APP.pptx
@@ -255,7 +255,7 @@
           <a:p>
             <a:fld id="{66C7C76F-4960-43CE-A2AE-DC9F0A42F084}" type="datetimeFigureOut">
               <a:rPr lang="fr-FR" smtClean="0"/>
-              <a:t>15/10/2019</a:t>
+              <a:t>17/10/2019</a:t>
             </a:fld>
             <a:endParaRPr lang="fr-FR"/>
           </a:p>
@@ -425,7 +425,7 @@
           <a:p>
             <a:fld id="{66C7C76F-4960-43CE-A2AE-DC9F0A42F084}" type="datetimeFigureOut">
               <a:rPr lang="fr-FR" smtClean="0"/>
-              <a:t>15/10/2019</a:t>
+              <a:t>17/10/2019</a:t>
             </a:fld>
             <a:endParaRPr lang="fr-FR"/>
           </a:p>
@@ -605,7 +605,7 @@
           <a:p>
             <a:fld id="{66C7C76F-4960-43CE-A2AE-DC9F0A42F084}" type="datetimeFigureOut">
               <a:rPr lang="fr-FR" smtClean="0"/>
-              <a:t>15/10/2019</a:t>
+              <a:t>17/10/2019</a:t>
             </a:fld>
             <a:endParaRPr lang="fr-FR"/>
           </a:p>
@@ -775,7 +775,7 @@
           <a:p>
             <a:fld id="{66C7C76F-4960-43CE-A2AE-DC9F0A42F084}" type="datetimeFigureOut">
               <a:rPr lang="fr-FR" smtClean="0"/>
-              <a:t>15/10/2019</a:t>
+              <a:t>17/10/2019</a:t>
             </a:fld>
             <a:endParaRPr lang="fr-FR"/>
           </a:p>
@@ -1021,7 +1021,7 @@
           <a:p>
             <a:fld id="{66C7C76F-4960-43CE-A2AE-DC9F0A42F084}" type="datetimeFigureOut">
               <a:rPr lang="fr-FR" smtClean="0"/>
-              <a:t>15/10/2019</a:t>
+              <a:t>17/10/2019</a:t>
             </a:fld>
             <a:endParaRPr lang="fr-FR"/>
           </a:p>
@@ -1253,7 +1253,7 @@
           <a:p>
             <a:fld id="{66C7C76F-4960-43CE-A2AE-DC9F0A42F084}" type="datetimeFigureOut">
               <a:rPr lang="fr-FR" smtClean="0"/>
-              <a:t>15/10/2019</a:t>
+              <a:t>17/10/2019</a:t>
             </a:fld>
             <a:endParaRPr lang="fr-FR"/>
           </a:p>
@@ -1620,7 +1620,7 @@
           <a:p>
             <a:fld id="{66C7C76F-4960-43CE-A2AE-DC9F0A42F084}" type="datetimeFigureOut">
               <a:rPr lang="fr-FR" smtClean="0"/>
-              <a:t>15/10/2019</a:t>
+              <a:t>17/10/2019</a:t>
             </a:fld>
             <a:endParaRPr lang="fr-FR"/>
           </a:p>
@@ -1738,7 +1738,7 @@
           <a:p>
             <a:fld id="{66C7C76F-4960-43CE-A2AE-DC9F0A42F084}" type="datetimeFigureOut">
               <a:rPr lang="fr-FR" smtClean="0"/>
-              <a:t>15/10/2019</a:t>
+              <a:t>17/10/2019</a:t>
             </a:fld>
             <a:endParaRPr lang="fr-FR"/>
           </a:p>
@@ -1833,7 +1833,7 @@
           <a:p>
             <a:fld id="{66C7C76F-4960-43CE-A2AE-DC9F0A42F084}" type="datetimeFigureOut">
               <a:rPr lang="fr-FR" smtClean="0"/>
-              <a:t>15/10/2019</a:t>
+              <a:t>17/10/2019</a:t>
             </a:fld>
             <a:endParaRPr lang="fr-FR"/>
           </a:p>
@@ -2110,7 +2110,7 @@
           <a:p>
             <a:fld id="{66C7C76F-4960-43CE-A2AE-DC9F0A42F084}" type="datetimeFigureOut">
               <a:rPr lang="fr-FR" smtClean="0"/>
-              <a:t>15/10/2019</a:t>
+              <a:t>17/10/2019</a:t>
             </a:fld>
             <a:endParaRPr lang="fr-FR"/>
           </a:p>
@@ -2363,7 +2363,7 @@
           <a:p>
             <a:fld id="{66C7C76F-4960-43CE-A2AE-DC9F0A42F084}" type="datetimeFigureOut">
               <a:rPr lang="fr-FR" smtClean="0"/>
-              <a:t>15/10/2019</a:t>
+              <a:t>17/10/2019</a:t>
             </a:fld>
             <a:endParaRPr lang="fr-FR"/>
           </a:p>
@@ -2576,7 +2576,7 @@
           <a:p>
             <a:fld id="{66C7C76F-4960-43CE-A2AE-DC9F0A42F084}" type="datetimeFigureOut">
               <a:rPr lang="fr-FR" smtClean="0"/>
-              <a:t>15/10/2019</a:t>
+              <a:t>17/10/2019</a:t>
             </a:fld>
             <a:endParaRPr lang="fr-FR"/>
           </a:p>
@@ -2989,8 +2989,8 @@
         </p:nvSpPr>
         <p:spPr>
           <a:xfrm>
-            <a:off x="487680" y="592183"/>
-            <a:ext cx="10519954" cy="5564777"/>
+            <a:off x="487680" y="287383"/>
+            <a:ext cx="10519954" cy="5869577"/>
           </a:xfrm>
           <a:prstGeom prst="rect">
             <a:avLst/>
@@ -3042,6 +3042,45 @@
       </p:sp>
       <p:sp>
         <p:nvSpPr>
+          <p:cNvPr id="2" name="Organigramme : Alternative 1"/>
+          <p:cNvSpPr/>
+          <p:nvPr/>
+        </p:nvSpPr>
+        <p:spPr>
+          <a:xfrm>
+            <a:off x="4489266" y="983947"/>
+            <a:ext cx="5529943" cy="4967700"/>
+          </a:xfrm>
+          <a:prstGeom prst="flowChartAlternateProcess">
+            <a:avLst/>
+          </a:prstGeom>
+          <a:ln/>
+        </p:spPr>
+        <p:style>
+          <a:lnRef idx="1">
+            <a:schemeClr val="accent1"/>
+          </a:lnRef>
+          <a:fillRef idx="2">
+            <a:schemeClr val="accent1"/>
+          </a:fillRef>
+          <a:effectRef idx="1">
+            <a:schemeClr val="accent1"/>
+          </a:effectRef>
+          <a:fontRef idx="minor">
+            <a:schemeClr val="dk1"/>
+          </a:fontRef>
+        </p:style>
+        <p:txBody>
+          <a:bodyPr rtlCol="0" anchor="ctr"/>
+          <a:lstStyle/>
+          <a:p>
+            <a:pPr algn="ctr"/>
+            <a:endParaRPr lang="fr-FR"/>
+          </a:p>
+        </p:txBody>
+      </p:sp>
+      <p:sp>
+        <p:nvSpPr>
           <p:cNvPr id="3" name="Sous-titre 2"/>
           <p:cNvSpPr>
             <a:spLocks noGrp="1"/>
@@ -3052,8 +3091,8 @@
         </p:nvSpPr>
         <p:spPr>
           <a:xfrm>
-            <a:off x="801190" y="592183"/>
-            <a:ext cx="10580914" cy="5738948"/>
+            <a:off x="801190" y="287383"/>
+            <a:ext cx="10580914" cy="6043748"/>
           </a:xfrm>
         </p:spPr>
         <p:txBody>
@@ -3129,15 +3168,15 @@
         </p:spPr>
         <p:style>
           <a:lnRef idx="2">
-            <a:schemeClr val="accent1">
+            <a:schemeClr val="accent3">
               <a:shade val="50000"/>
             </a:schemeClr>
           </a:lnRef>
           <a:fillRef idx="1">
-            <a:schemeClr val="accent1"/>
+            <a:schemeClr val="accent3"/>
           </a:fillRef>
           <a:effectRef idx="0">
-            <a:schemeClr val="accent1"/>
+            <a:schemeClr val="accent3"/>
           </a:effectRef>
           <a:fontRef idx="minor">
             <a:schemeClr val="lt1"/>
@@ -3169,15 +3208,15 @@
         </p:spPr>
         <p:style>
           <a:lnRef idx="2">
-            <a:schemeClr val="accent1">
+            <a:schemeClr val="accent3">
               <a:shade val="50000"/>
             </a:schemeClr>
           </a:lnRef>
           <a:fillRef idx="1">
-            <a:schemeClr val="accent1"/>
+            <a:schemeClr val="accent3"/>
           </a:fillRef>
           <a:effectRef idx="0">
-            <a:schemeClr val="accent1"/>
+            <a:schemeClr val="accent3"/>
           </a:effectRef>
           <a:fontRef idx="minor">
             <a:schemeClr val="lt1"/>
@@ -3209,15 +3248,15 @@
         </p:spPr>
         <p:style>
           <a:lnRef idx="2">
-            <a:schemeClr val="accent1">
+            <a:schemeClr val="accent3">
               <a:shade val="50000"/>
             </a:schemeClr>
           </a:lnRef>
           <a:fillRef idx="1">
-            <a:schemeClr val="accent1"/>
+            <a:schemeClr val="accent3"/>
           </a:fillRef>
           <a:effectRef idx="0">
-            <a:schemeClr val="accent1"/>
+            <a:schemeClr val="accent3"/>
           </a:effectRef>
           <a:fontRef idx="minor">
             <a:schemeClr val="lt1"/>
@@ -3249,15 +3288,15 @@
         </p:spPr>
         <p:style>
           <a:lnRef idx="2">
-            <a:schemeClr val="accent1">
+            <a:schemeClr val="accent3">
               <a:shade val="50000"/>
             </a:schemeClr>
           </a:lnRef>
           <a:fillRef idx="1">
-            <a:schemeClr val="accent1"/>
+            <a:schemeClr val="accent3"/>
           </a:fillRef>
           <a:effectRef idx="0">
-            <a:schemeClr val="accent1"/>
+            <a:schemeClr val="accent3"/>
           </a:effectRef>
           <a:fontRef idx="minor">
             <a:schemeClr val="lt1"/>
@@ -3280,7 +3319,7 @@
         </p:nvSpPr>
         <p:spPr>
           <a:xfrm>
-            <a:off x="1619794" y="3098465"/>
+            <a:off x="1491342" y="3786443"/>
             <a:ext cx="1153886" cy="369332"/>
           </a:xfrm>
           <a:prstGeom prst="rect">
@@ -3294,6 +3333,7 @@
           </a:bodyPr>
           <a:lstStyle/>
           <a:p>
+            <a:pPr algn="ctr"/>
             <a:r>
               <a:rPr lang="fr-FR" dirty="0" smtClean="0"/>
               <a:t>UI client</a:t>
@@ -3364,13 +3404,13 @@
           </a:ln>
         </p:spPr>
         <p:style>
-          <a:lnRef idx="1">
+          <a:lnRef idx="3">
             <a:schemeClr val="accent1"/>
           </a:lnRef>
           <a:fillRef idx="0">
             <a:schemeClr val="accent1"/>
           </a:fillRef>
-          <a:effectRef idx="0">
+          <a:effectRef idx="2">
             <a:schemeClr val="accent1"/>
           </a:effectRef>
           <a:fontRef idx="minor">
@@ -3397,13 +3437,13 @@
           </a:ln>
         </p:spPr>
         <p:style>
-          <a:lnRef idx="1">
+          <a:lnRef idx="3">
             <a:schemeClr val="accent1"/>
           </a:lnRef>
           <a:fillRef idx="0">
             <a:schemeClr val="accent1"/>
           </a:fillRef>
-          <a:effectRef idx="0">
+          <a:effectRef idx="2">
             <a:schemeClr val="accent1"/>
           </a:effectRef>
           <a:fontRef idx="minor">
@@ -3433,13 +3473,13 @@
           </a:ln>
         </p:spPr>
         <p:style>
-          <a:lnRef idx="1">
+          <a:lnRef idx="3">
             <a:schemeClr val="accent1"/>
           </a:lnRef>
           <a:fillRef idx="0">
             <a:schemeClr val="accent1"/>
           </a:fillRef>
-          <a:effectRef idx="0">
+          <a:effectRef idx="2">
             <a:schemeClr val="accent1"/>
           </a:effectRef>
           <a:fontRef idx="minor">
@@ -3469,13 +3509,13 @@
           </a:ln>
         </p:spPr>
         <p:style>
-          <a:lnRef idx="1">
+          <a:lnRef idx="3">
             <a:schemeClr val="accent1"/>
           </a:lnRef>
           <a:fillRef idx="0">
             <a:schemeClr val="accent1"/>
           </a:fillRef>
-          <a:effectRef idx="0">
+          <a:effectRef idx="2">
             <a:schemeClr val="accent1"/>
           </a:effectRef>
           <a:fontRef idx="minor">
@@ -3505,13 +3545,13 @@
           </a:ln>
         </p:spPr>
         <p:style>
-          <a:lnRef idx="1">
+          <a:lnRef idx="3">
             <a:schemeClr val="accent1"/>
           </a:lnRef>
           <a:fillRef idx="0">
             <a:schemeClr val="accent1"/>
           </a:fillRef>
-          <a:effectRef idx="0">
+          <a:effectRef idx="2">
             <a:schemeClr val="accent1"/>
           </a:effectRef>
           <a:fontRef idx="minor">
@@ -3556,8 +3596,12 @@
           <a:p>
             <a:pPr algn="ctr"/>
             <a:r>
+              <a:rPr lang="fr-FR" sz="1100" dirty="0"/>
+              <a:t>REST </a:t>
+            </a:r>
+            <a:r>
               <a:rPr lang="fr-FR" sz="1100" dirty="0" smtClean="0"/>
-              <a:t>request</a:t>
+              <a:t>Request</a:t>
             </a:r>
             <a:endParaRPr lang="fr-FR" sz="1100" dirty="0"/>
           </a:p>
@@ -3600,8 +3644,12 @@
           <a:p>
             <a:pPr algn="ctr"/>
             <a:r>
+              <a:rPr lang="fr-FR" sz="1100" dirty="0"/>
+              <a:t>REST </a:t>
+            </a:r>
+            <a:r>
               <a:rPr lang="fr-FR" sz="1100" dirty="0" smtClean="0"/>
-              <a:t>response</a:t>
+              <a:t>Response</a:t>
             </a:r>
             <a:endParaRPr lang="fr-FR" sz="1100" dirty="0"/>
           </a:p>
@@ -3632,7 +3680,7 @@
             <a:pPr algn="ctr"/>
             <a:r>
               <a:rPr lang="fr-FR" sz="1600" dirty="0" smtClean="0"/>
-              <a:t>Eureka-client</a:t>
+              <a:t>Eureka-clients</a:t>
             </a:r>
             <a:endParaRPr lang="fr-FR" sz="1600" dirty="0"/>
           </a:p>
@@ -3662,28 +3710,16 @@
           <a:p>
             <a:r>
               <a:rPr lang="fr-FR" sz="1600" dirty="0" smtClean="0"/>
-              <a:t>Gateway-api-home-</a:t>
-            </a:r>
-            <a:r>
-              <a:rPr lang="fr-FR" sz="1600" dirty="0" err="1" smtClean="0"/>
-              <a:t>app</a:t>
-            </a:r>
+              <a:t>Gateway-api-home-app + </a:t>
+            </a:r>
+          </a:p>
+          <a:p>
+            <a:endParaRPr lang="fr-FR" sz="1600" dirty="0"/>
+          </a:p>
+          <a:p>
             <a:r>
               <a:rPr lang="fr-FR" sz="1600" dirty="0" smtClean="0"/>
-              <a:t> + </a:t>
-            </a:r>
-          </a:p>
-          <a:p>
-            <a:endParaRPr lang="fr-FR" sz="1600" dirty="0"/>
-          </a:p>
-          <a:p>
-            <a:r>
-              <a:rPr lang="fr-FR" sz="1600" dirty="0" err="1" smtClean="0"/>
-              <a:t>Auth</a:t>
-            </a:r>
-            <a:r>
-              <a:rPr lang="fr-FR" sz="1600" dirty="0" smtClean="0"/>
-              <a:t>-api</a:t>
+              <a:t>Auth-api</a:t>
             </a:r>
           </a:p>
         </p:txBody>
@@ -3696,7 +3732,7 @@
         </p:nvSpPr>
         <p:spPr>
           <a:xfrm>
-            <a:off x="8038011" y="1775129"/>
+            <a:off x="6152603" y="5424537"/>
             <a:ext cx="1767839" cy="338554"/>
           </a:xfrm>
           <a:prstGeom prst="rect">
@@ -3713,7 +3749,7 @@
             <a:pPr algn="ctr"/>
             <a:r>
               <a:rPr lang="fr-FR" sz="1600" dirty="0" smtClean="0"/>
-              <a:t>Mes-courses-api</a:t>
+              <a:t>Docker Engine</a:t>
             </a:r>
             <a:endParaRPr lang="fr-FR" sz="1600" dirty="0"/>
           </a:p>
@@ -3774,12 +3810,8 @@
           <a:p>
             <a:pPr algn="ctr"/>
             <a:r>
-              <a:rPr lang="fr-FR" sz="1600" dirty="0" err="1" smtClean="0"/>
-              <a:t>other</a:t>
-            </a:r>
-            <a:r>
               <a:rPr lang="fr-FR" sz="1600" dirty="0" smtClean="0"/>
-              <a:t>-api</a:t>
+              <a:t>other-api</a:t>
             </a:r>
             <a:endParaRPr lang="fr-FR" sz="1600" dirty="0"/>
           </a:p>
@@ -3793,7 +3825,7 @@
         </p:nvSpPr>
         <p:spPr>
           <a:xfrm>
-            <a:off x="1289954" y="3838454"/>
+            <a:off x="1164770" y="3055341"/>
             <a:ext cx="1663337" cy="507831"/>
           </a:xfrm>
           <a:prstGeom prst="rect">
@@ -3906,6 +3938,37 @@
                 <a:srgbClr val="FF0000"/>
               </a:solidFill>
             </a:endParaRPr>
+          </a:p>
+        </p:txBody>
+      </p:sp>
+      <p:sp>
+        <p:nvSpPr>
+          <p:cNvPr id="27" name="ZoneTexte 26"/>
+          <p:cNvSpPr txBox="1"/>
+          <p:nvPr/>
+        </p:nvSpPr>
+        <p:spPr>
+          <a:xfrm>
+            <a:off x="8190411" y="1927529"/>
+            <a:ext cx="1767839" cy="338554"/>
+          </a:xfrm>
+          <a:prstGeom prst="rect">
+            <a:avLst/>
+          </a:prstGeom>
+          <a:noFill/>
+        </p:spPr>
+        <p:txBody>
+          <a:bodyPr wrap="square" rtlCol="0">
+            <a:spAutoFit/>
+          </a:bodyPr>
+          <a:lstStyle/>
+          <a:p>
+            <a:pPr algn="ctr"/>
+            <a:r>
+              <a:rPr lang="fr-FR" sz="1600" dirty="0" smtClean="0"/>
+              <a:t>Mes-courses-api</a:t>
+            </a:r>
+            <a:endParaRPr lang="fr-FR" sz="1600" dirty="0"/>
           </a:p>
         </p:txBody>
       </p:sp>

--- a/MSA-HOME-APP.pptx
+++ b/MSA-HOME-APP.pptx
@@ -6,6 +6,7 @@
   </p:sldMasterIdLst>
   <p:sldIdLst>
     <p:sldId id="256" r:id="rId2"/>
+    <p:sldId id="257" r:id="rId3"/>
   </p:sldIdLst>
   <p:sldSz cx="12192000" cy="6858000"/>
   <p:notesSz cx="6858000" cy="9144000"/>
@@ -255,7 +256,7 @@
           <a:p>
             <a:fld id="{66C7C76F-4960-43CE-A2AE-DC9F0A42F084}" type="datetimeFigureOut">
               <a:rPr lang="fr-FR" smtClean="0"/>
-              <a:t>17/10/2019</a:t>
+              <a:t>22/10/2019</a:t>
             </a:fld>
             <a:endParaRPr lang="fr-FR"/>
           </a:p>
@@ -425,7 +426,7 @@
           <a:p>
             <a:fld id="{66C7C76F-4960-43CE-A2AE-DC9F0A42F084}" type="datetimeFigureOut">
               <a:rPr lang="fr-FR" smtClean="0"/>
-              <a:t>17/10/2019</a:t>
+              <a:t>22/10/2019</a:t>
             </a:fld>
             <a:endParaRPr lang="fr-FR"/>
           </a:p>
@@ -605,7 +606,7 @@
           <a:p>
             <a:fld id="{66C7C76F-4960-43CE-A2AE-DC9F0A42F084}" type="datetimeFigureOut">
               <a:rPr lang="fr-FR" smtClean="0"/>
-              <a:t>17/10/2019</a:t>
+              <a:t>22/10/2019</a:t>
             </a:fld>
             <a:endParaRPr lang="fr-FR"/>
           </a:p>
@@ -775,7 +776,7 @@
           <a:p>
             <a:fld id="{66C7C76F-4960-43CE-A2AE-DC9F0A42F084}" type="datetimeFigureOut">
               <a:rPr lang="fr-FR" smtClean="0"/>
-              <a:t>17/10/2019</a:t>
+              <a:t>22/10/2019</a:t>
             </a:fld>
             <a:endParaRPr lang="fr-FR"/>
           </a:p>
@@ -1021,7 +1022,7 @@
           <a:p>
             <a:fld id="{66C7C76F-4960-43CE-A2AE-DC9F0A42F084}" type="datetimeFigureOut">
               <a:rPr lang="fr-FR" smtClean="0"/>
-              <a:t>17/10/2019</a:t>
+              <a:t>22/10/2019</a:t>
             </a:fld>
             <a:endParaRPr lang="fr-FR"/>
           </a:p>
@@ -1253,7 +1254,7 @@
           <a:p>
             <a:fld id="{66C7C76F-4960-43CE-A2AE-DC9F0A42F084}" type="datetimeFigureOut">
               <a:rPr lang="fr-FR" smtClean="0"/>
-              <a:t>17/10/2019</a:t>
+              <a:t>22/10/2019</a:t>
             </a:fld>
             <a:endParaRPr lang="fr-FR"/>
           </a:p>
@@ -1620,7 +1621,7 @@
           <a:p>
             <a:fld id="{66C7C76F-4960-43CE-A2AE-DC9F0A42F084}" type="datetimeFigureOut">
               <a:rPr lang="fr-FR" smtClean="0"/>
-              <a:t>17/10/2019</a:t>
+              <a:t>22/10/2019</a:t>
             </a:fld>
             <a:endParaRPr lang="fr-FR"/>
           </a:p>
@@ -1738,7 +1739,7 @@
           <a:p>
             <a:fld id="{66C7C76F-4960-43CE-A2AE-DC9F0A42F084}" type="datetimeFigureOut">
               <a:rPr lang="fr-FR" smtClean="0"/>
-              <a:t>17/10/2019</a:t>
+              <a:t>22/10/2019</a:t>
             </a:fld>
             <a:endParaRPr lang="fr-FR"/>
           </a:p>
@@ -1833,7 +1834,7 @@
           <a:p>
             <a:fld id="{66C7C76F-4960-43CE-A2AE-DC9F0A42F084}" type="datetimeFigureOut">
               <a:rPr lang="fr-FR" smtClean="0"/>
-              <a:t>17/10/2019</a:t>
+              <a:t>22/10/2019</a:t>
             </a:fld>
             <a:endParaRPr lang="fr-FR"/>
           </a:p>
@@ -2110,7 +2111,7 @@
           <a:p>
             <a:fld id="{66C7C76F-4960-43CE-A2AE-DC9F0A42F084}" type="datetimeFigureOut">
               <a:rPr lang="fr-FR" smtClean="0"/>
-              <a:t>17/10/2019</a:t>
+              <a:t>22/10/2019</a:t>
             </a:fld>
             <a:endParaRPr lang="fr-FR"/>
           </a:p>
@@ -2363,7 +2364,7 @@
           <a:p>
             <a:fld id="{66C7C76F-4960-43CE-A2AE-DC9F0A42F084}" type="datetimeFigureOut">
               <a:rPr lang="fr-FR" smtClean="0"/>
-              <a:t>17/10/2019</a:t>
+              <a:t>22/10/2019</a:t>
             </a:fld>
             <a:endParaRPr lang="fr-FR"/>
           </a:p>
@@ -2576,7 +2577,7 @@
           <a:p>
             <a:fld id="{66C7C76F-4960-43CE-A2AE-DC9F0A42F084}" type="datetimeFigureOut">
               <a:rPr lang="fr-FR" smtClean="0"/>
-              <a:t>17/10/2019</a:t>
+              <a:t>22/10/2019</a:t>
             </a:fld>
             <a:endParaRPr lang="fr-FR"/>
           </a:p>
@@ -2983,14 +2984,14 @@
       </p:grpSpPr>
       <p:sp>
         <p:nvSpPr>
-          <p:cNvPr id="35" name="Rectangle 34"/>
+          <p:cNvPr id="37" name="Rectangle 36"/>
           <p:cNvSpPr/>
           <p:nvPr/>
         </p:nvSpPr>
         <p:spPr>
           <a:xfrm>
-            <a:off x="487680" y="287383"/>
-            <a:ext cx="10519954" cy="5869577"/>
+            <a:off x="487679" y="287382"/>
+            <a:ext cx="11120847" cy="6270171"/>
           </a:xfrm>
           <a:prstGeom prst="rect">
             <a:avLst/>
@@ -3036,6 +3037,1856 @@
           <a:lstStyle/>
           <a:p>
             <a:pPr algn="ctr"/>
+            <a:endParaRPr lang="fr-FR" dirty="0"/>
+          </a:p>
+        </p:txBody>
+      </p:sp>
+      <p:sp>
+        <p:nvSpPr>
+          <p:cNvPr id="38" name="Organigramme : Alternative 37"/>
+          <p:cNvSpPr/>
+          <p:nvPr/>
+        </p:nvSpPr>
+        <p:spPr>
+          <a:xfrm>
+            <a:off x="3762104" y="983946"/>
+            <a:ext cx="7249884" cy="4076227"/>
+          </a:xfrm>
+          <a:prstGeom prst="flowChartAlternateProcess">
+            <a:avLst/>
+          </a:prstGeom>
+          <a:ln/>
+        </p:spPr>
+        <p:style>
+          <a:lnRef idx="1">
+            <a:schemeClr val="accent1"/>
+          </a:lnRef>
+          <a:fillRef idx="2">
+            <a:schemeClr val="accent1"/>
+          </a:fillRef>
+          <a:effectRef idx="1">
+            <a:schemeClr val="accent1"/>
+          </a:effectRef>
+          <a:fontRef idx="minor">
+            <a:schemeClr val="dk1"/>
+          </a:fontRef>
+        </p:style>
+        <p:txBody>
+          <a:bodyPr rtlCol="0" anchor="ctr"/>
+          <a:lstStyle/>
+          <a:p>
+            <a:pPr algn="ctr"/>
+            <a:endParaRPr lang="fr-FR"/>
+          </a:p>
+        </p:txBody>
+      </p:sp>
+      <p:sp>
+        <p:nvSpPr>
+          <p:cNvPr id="39" name="Organigramme : Alternative 38"/>
+          <p:cNvSpPr/>
+          <p:nvPr/>
+        </p:nvSpPr>
+        <p:spPr>
+          <a:xfrm>
+            <a:off x="7175863" y="5383395"/>
+            <a:ext cx="2098766" cy="444628"/>
+          </a:xfrm>
+          <a:prstGeom prst="flowChartAlternateProcess">
+            <a:avLst/>
+          </a:prstGeom>
+          <a:ln/>
+        </p:spPr>
+        <p:style>
+          <a:lnRef idx="1">
+            <a:schemeClr val="accent1"/>
+          </a:lnRef>
+          <a:fillRef idx="2">
+            <a:schemeClr val="accent1"/>
+          </a:fillRef>
+          <a:effectRef idx="1">
+            <a:schemeClr val="accent1"/>
+          </a:effectRef>
+          <a:fontRef idx="minor">
+            <a:schemeClr val="dk1"/>
+          </a:fontRef>
+        </p:style>
+        <p:txBody>
+          <a:bodyPr rtlCol="0" anchor="ctr"/>
+          <a:lstStyle/>
+          <a:p>
+            <a:pPr algn="ctr"/>
+            <a:endParaRPr lang="fr-FR"/>
+          </a:p>
+        </p:txBody>
+      </p:sp>
+      <p:sp>
+        <p:nvSpPr>
+          <p:cNvPr id="40" name="Rectangle avec coins rognés du même côté 39"/>
+          <p:cNvSpPr/>
+          <p:nvPr/>
+        </p:nvSpPr>
+        <p:spPr>
+          <a:xfrm>
+            <a:off x="4145277" y="1297516"/>
+            <a:ext cx="1271454" cy="2900016"/>
+          </a:xfrm>
+          <a:prstGeom prst="snip2SameRect">
+            <a:avLst/>
+          </a:prstGeom>
+        </p:spPr>
+        <p:style>
+          <a:lnRef idx="2">
+            <a:schemeClr val="accent3">
+              <a:shade val="50000"/>
+            </a:schemeClr>
+          </a:lnRef>
+          <a:fillRef idx="1">
+            <a:schemeClr val="accent3"/>
+          </a:fillRef>
+          <a:effectRef idx="0">
+            <a:schemeClr val="accent3"/>
+          </a:effectRef>
+          <a:fontRef idx="minor">
+            <a:schemeClr val="lt1"/>
+          </a:fontRef>
+        </p:style>
+        <p:txBody>
+          <a:bodyPr rtlCol="0" anchor="ctr"/>
+          <a:lstStyle/>
+          <a:p>
+            <a:pPr algn="ctr"/>
+            <a:endParaRPr lang="fr-FR"/>
+          </a:p>
+        </p:txBody>
+      </p:sp>
+      <p:sp>
+        <p:nvSpPr>
+          <p:cNvPr id="41" name="Rectangle avec coins rognés en diagonale 40"/>
+          <p:cNvSpPr/>
+          <p:nvPr/>
+        </p:nvSpPr>
+        <p:spPr>
+          <a:xfrm>
+            <a:off x="6448697" y="1297177"/>
+            <a:ext cx="1785258" cy="679269"/>
+          </a:xfrm>
+          <a:prstGeom prst="snip2DiagRect">
+            <a:avLst/>
+          </a:prstGeom>
+        </p:spPr>
+        <p:style>
+          <a:lnRef idx="2">
+            <a:schemeClr val="accent3">
+              <a:shade val="50000"/>
+            </a:schemeClr>
+          </a:lnRef>
+          <a:fillRef idx="1">
+            <a:schemeClr val="accent3"/>
+          </a:fillRef>
+          <a:effectRef idx="0">
+            <a:schemeClr val="accent3"/>
+          </a:effectRef>
+          <a:fontRef idx="minor">
+            <a:schemeClr val="lt1"/>
+          </a:fontRef>
+        </p:style>
+        <p:txBody>
+          <a:bodyPr rtlCol="0" anchor="ctr"/>
+          <a:lstStyle/>
+          <a:p>
+            <a:pPr algn="ctr"/>
+            <a:endParaRPr lang="fr-FR"/>
+          </a:p>
+        </p:txBody>
+      </p:sp>
+      <p:sp>
+        <p:nvSpPr>
+          <p:cNvPr id="42" name="Rectangle avec coins rognés en diagonale 41"/>
+          <p:cNvSpPr/>
+          <p:nvPr/>
+        </p:nvSpPr>
+        <p:spPr>
+          <a:xfrm>
+            <a:off x="6448697" y="2388952"/>
+            <a:ext cx="1785258" cy="679269"/>
+          </a:xfrm>
+          <a:prstGeom prst="snip2DiagRect">
+            <a:avLst/>
+          </a:prstGeom>
+        </p:spPr>
+        <p:style>
+          <a:lnRef idx="2">
+            <a:schemeClr val="accent3">
+              <a:shade val="50000"/>
+            </a:schemeClr>
+          </a:lnRef>
+          <a:fillRef idx="1">
+            <a:schemeClr val="accent3"/>
+          </a:fillRef>
+          <a:effectRef idx="0">
+            <a:schemeClr val="accent3"/>
+          </a:effectRef>
+          <a:fontRef idx="minor">
+            <a:schemeClr val="lt1"/>
+          </a:fontRef>
+        </p:style>
+        <p:txBody>
+          <a:bodyPr rtlCol="0" anchor="ctr"/>
+          <a:lstStyle/>
+          <a:p>
+            <a:pPr algn="ctr"/>
+            <a:endParaRPr lang="fr-FR"/>
+          </a:p>
+        </p:txBody>
+      </p:sp>
+      <p:sp>
+        <p:nvSpPr>
+          <p:cNvPr id="43" name="Rectangle avec coins rognés en diagonale 42"/>
+          <p:cNvSpPr/>
+          <p:nvPr/>
+        </p:nvSpPr>
+        <p:spPr>
+          <a:xfrm>
+            <a:off x="6448697" y="3518263"/>
+            <a:ext cx="1785258" cy="679269"/>
+          </a:xfrm>
+          <a:prstGeom prst="snip2DiagRect">
+            <a:avLst/>
+          </a:prstGeom>
+        </p:spPr>
+        <p:style>
+          <a:lnRef idx="2">
+            <a:schemeClr val="accent3">
+              <a:shade val="50000"/>
+            </a:schemeClr>
+          </a:lnRef>
+          <a:fillRef idx="1">
+            <a:schemeClr val="accent3"/>
+          </a:fillRef>
+          <a:effectRef idx="0">
+            <a:schemeClr val="accent3"/>
+          </a:effectRef>
+          <a:fontRef idx="minor">
+            <a:schemeClr val="lt1"/>
+          </a:fontRef>
+        </p:style>
+        <p:txBody>
+          <a:bodyPr rtlCol="0" anchor="ctr"/>
+          <a:lstStyle/>
+          <a:p>
+            <a:pPr algn="ctr"/>
+            <a:endParaRPr lang="fr-FR"/>
+          </a:p>
+        </p:txBody>
+      </p:sp>
+      <p:sp>
+        <p:nvSpPr>
+          <p:cNvPr id="44" name="ZoneTexte 43"/>
+          <p:cNvSpPr txBox="1"/>
+          <p:nvPr/>
+        </p:nvSpPr>
+        <p:spPr>
+          <a:xfrm>
+            <a:off x="6439990" y="2621976"/>
+            <a:ext cx="1767839" cy="338554"/>
+          </a:xfrm>
+          <a:prstGeom prst="rect">
+            <a:avLst/>
+          </a:prstGeom>
+          <a:noFill/>
+        </p:spPr>
+        <p:txBody>
+          <a:bodyPr wrap="square" rtlCol="0">
+            <a:spAutoFit/>
+          </a:bodyPr>
+          <a:lstStyle/>
+          <a:p>
+            <a:pPr algn="ctr"/>
+            <a:r>
+              <a:rPr lang="fr-FR" sz="1600" dirty="0" smtClean="0"/>
+              <a:t>Mes-notes-api</a:t>
+            </a:r>
+            <a:endParaRPr lang="fr-FR" sz="1600" dirty="0"/>
+          </a:p>
+        </p:txBody>
+      </p:sp>
+      <p:sp>
+        <p:nvSpPr>
+          <p:cNvPr id="45" name="ZoneTexte 44"/>
+          <p:cNvSpPr txBox="1"/>
+          <p:nvPr/>
+        </p:nvSpPr>
+        <p:spPr>
+          <a:xfrm>
+            <a:off x="6448697" y="3735807"/>
+            <a:ext cx="1767839" cy="338554"/>
+          </a:xfrm>
+          <a:prstGeom prst="rect">
+            <a:avLst/>
+          </a:prstGeom>
+          <a:noFill/>
+        </p:spPr>
+        <p:txBody>
+          <a:bodyPr wrap="square" rtlCol="0">
+            <a:spAutoFit/>
+          </a:bodyPr>
+          <a:lstStyle/>
+          <a:p>
+            <a:pPr algn="ctr"/>
+            <a:r>
+              <a:rPr lang="fr-FR" sz="1600" dirty="0" smtClean="0"/>
+              <a:t>other-api</a:t>
+            </a:r>
+            <a:endParaRPr lang="fr-FR" sz="1600" dirty="0"/>
+          </a:p>
+        </p:txBody>
+      </p:sp>
+      <p:sp>
+        <p:nvSpPr>
+          <p:cNvPr id="46" name="ZoneTexte 45"/>
+          <p:cNvSpPr txBox="1"/>
+          <p:nvPr/>
+        </p:nvSpPr>
+        <p:spPr>
+          <a:xfrm>
+            <a:off x="8869678" y="2056612"/>
+            <a:ext cx="1663337" cy="261610"/>
+          </a:xfrm>
+          <a:prstGeom prst="rect">
+            <a:avLst/>
+          </a:prstGeom>
+          <a:noFill/>
+        </p:spPr>
+        <p:txBody>
+          <a:bodyPr wrap="square" rtlCol="0">
+            <a:spAutoFit/>
+          </a:bodyPr>
+          <a:lstStyle/>
+          <a:p>
+            <a:pPr algn="ctr"/>
+            <a:r>
+              <a:rPr lang="fr-FR" sz="1100" dirty="0" smtClean="0">
+                <a:solidFill>
+                  <a:srgbClr val="FF0000"/>
+                </a:solidFill>
+              </a:rPr>
+              <a:t>Port:3306</a:t>
+            </a:r>
+            <a:endParaRPr lang="fr-FR" sz="1600" dirty="0">
+              <a:solidFill>
+                <a:srgbClr val="FF0000"/>
+              </a:solidFill>
+            </a:endParaRPr>
+          </a:p>
+        </p:txBody>
+      </p:sp>
+      <p:sp>
+        <p:nvSpPr>
+          <p:cNvPr id="47" name="ZoneTexte 46"/>
+          <p:cNvSpPr txBox="1"/>
+          <p:nvPr/>
+        </p:nvSpPr>
+        <p:spPr>
+          <a:xfrm>
+            <a:off x="6500947" y="2150365"/>
+            <a:ext cx="1663337" cy="261610"/>
+          </a:xfrm>
+          <a:prstGeom prst="rect">
+            <a:avLst/>
+          </a:prstGeom>
+          <a:noFill/>
+        </p:spPr>
+        <p:txBody>
+          <a:bodyPr wrap="square" rtlCol="0">
+            <a:spAutoFit/>
+          </a:bodyPr>
+          <a:lstStyle/>
+          <a:p>
+            <a:pPr algn="ctr"/>
+            <a:r>
+              <a:rPr lang="fr-FR" sz="1100" dirty="0" smtClean="0">
+                <a:solidFill>
+                  <a:srgbClr val="FF0000"/>
+                </a:solidFill>
+              </a:rPr>
+              <a:t>Port:8070</a:t>
+            </a:r>
+            <a:endParaRPr lang="fr-FR" sz="1600" dirty="0">
+              <a:solidFill>
+                <a:srgbClr val="FF0000"/>
+              </a:solidFill>
+            </a:endParaRPr>
+          </a:p>
+        </p:txBody>
+      </p:sp>
+      <p:sp>
+        <p:nvSpPr>
+          <p:cNvPr id="48" name="ZoneTexte 47"/>
+          <p:cNvSpPr txBox="1"/>
+          <p:nvPr/>
+        </p:nvSpPr>
+        <p:spPr>
+          <a:xfrm>
+            <a:off x="6500947" y="1498913"/>
+            <a:ext cx="1767839" cy="338554"/>
+          </a:xfrm>
+          <a:prstGeom prst="rect">
+            <a:avLst/>
+          </a:prstGeom>
+          <a:noFill/>
+        </p:spPr>
+        <p:txBody>
+          <a:bodyPr wrap="square" rtlCol="0">
+            <a:spAutoFit/>
+          </a:bodyPr>
+          <a:lstStyle/>
+          <a:p>
+            <a:pPr algn="ctr"/>
+            <a:r>
+              <a:rPr lang="fr-FR" sz="1600" dirty="0" smtClean="0"/>
+              <a:t>Mes-courses-api</a:t>
+            </a:r>
+            <a:endParaRPr lang="fr-FR" sz="1600" dirty="0"/>
+          </a:p>
+        </p:txBody>
+      </p:sp>
+      <p:sp>
+        <p:nvSpPr>
+          <p:cNvPr id="17" name="Cylindre 16"/>
+          <p:cNvSpPr/>
+          <p:nvPr/>
+        </p:nvSpPr>
+        <p:spPr>
+          <a:xfrm>
+            <a:off x="4545873" y="5725035"/>
+            <a:ext cx="722811" cy="670412"/>
+          </a:xfrm>
+          <a:prstGeom prst="can">
+            <a:avLst/>
+          </a:prstGeom>
+        </p:spPr>
+        <p:style>
+          <a:lnRef idx="2">
+            <a:schemeClr val="accent2">
+              <a:shade val="50000"/>
+            </a:schemeClr>
+          </a:lnRef>
+          <a:fillRef idx="1">
+            <a:schemeClr val="accent2"/>
+          </a:fillRef>
+          <a:effectRef idx="0">
+            <a:schemeClr val="accent2"/>
+          </a:effectRef>
+          <a:fontRef idx="minor">
+            <a:schemeClr val="lt1"/>
+          </a:fontRef>
+        </p:style>
+        <p:txBody>
+          <a:bodyPr rtlCol="0" anchor="ctr"/>
+          <a:lstStyle/>
+          <a:p>
+            <a:pPr algn="ctr"/>
+            <a:endParaRPr lang="fr-FR"/>
+          </a:p>
+        </p:txBody>
+      </p:sp>
+      <p:sp>
+        <p:nvSpPr>
+          <p:cNvPr id="51" name="ZoneTexte 50"/>
+          <p:cNvSpPr txBox="1"/>
+          <p:nvPr/>
+        </p:nvSpPr>
+        <p:spPr>
+          <a:xfrm>
+            <a:off x="4580706" y="5960632"/>
+            <a:ext cx="653144" cy="338554"/>
+          </a:xfrm>
+          <a:prstGeom prst="rect">
+            <a:avLst/>
+          </a:prstGeom>
+          <a:noFill/>
+        </p:spPr>
+        <p:txBody>
+          <a:bodyPr wrap="square" rtlCol="0">
+            <a:spAutoFit/>
+          </a:bodyPr>
+          <a:lstStyle/>
+          <a:p>
+            <a:pPr algn="ctr"/>
+            <a:r>
+              <a:rPr lang="fr-FR" sz="1600" dirty="0" smtClean="0"/>
+              <a:t>GIT</a:t>
+            </a:r>
+            <a:endParaRPr lang="fr-FR" sz="1600" dirty="0"/>
+          </a:p>
+        </p:txBody>
+      </p:sp>
+      <p:sp>
+        <p:nvSpPr>
+          <p:cNvPr id="52" name="ZoneTexte 51"/>
+          <p:cNvSpPr txBox="1"/>
+          <p:nvPr/>
+        </p:nvSpPr>
+        <p:spPr>
+          <a:xfrm>
+            <a:off x="5181591" y="6012453"/>
+            <a:ext cx="1463040" cy="430887"/>
+          </a:xfrm>
+          <a:prstGeom prst="rect">
+            <a:avLst/>
+          </a:prstGeom>
+          <a:noFill/>
+        </p:spPr>
+        <p:txBody>
+          <a:bodyPr wrap="square" rtlCol="0">
+            <a:spAutoFit/>
+          </a:bodyPr>
+          <a:lstStyle/>
+          <a:p>
+            <a:pPr algn="ctr"/>
+            <a:r>
+              <a:rPr lang="fr-FR" sz="1100" b="1" dirty="0"/>
+              <a:t>home-</a:t>
+            </a:r>
+            <a:r>
+              <a:rPr lang="fr-FR" sz="1100" b="1" dirty="0" err="1"/>
+              <a:t>app</a:t>
+            </a:r>
+            <a:r>
+              <a:rPr lang="fr-FR" sz="1100" b="1" dirty="0"/>
+              <a:t>-config-repo</a:t>
+            </a:r>
+            <a:endParaRPr lang="fr-FR" sz="1600" b="1" dirty="0"/>
+          </a:p>
+        </p:txBody>
+      </p:sp>
+      <p:sp>
+        <p:nvSpPr>
+          <p:cNvPr id="53" name="ZoneTexte 52"/>
+          <p:cNvSpPr txBox="1"/>
+          <p:nvPr/>
+        </p:nvSpPr>
+        <p:spPr>
+          <a:xfrm>
+            <a:off x="7341326" y="5419801"/>
+            <a:ext cx="1767839" cy="338554"/>
+          </a:xfrm>
+          <a:prstGeom prst="rect">
+            <a:avLst/>
+          </a:prstGeom>
+          <a:noFill/>
+        </p:spPr>
+        <p:txBody>
+          <a:bodyPr wrap="square" rtlCol="0">
+            <a:spAutoFit/>
+          </a:bodyPr>
+          <a:lstStyle/>
+          <a:p>
+            <a:pPr algn="ctr"/>
+            <a:r>
+              <a:rPr lang="fr-FR" sz="1600" dirty="0" smtClean="0"/>
+              <a:t>Config-server</a:t>
+            </a:r>
+            <a:endParaRPr lang="fr-FR" sz="1600" dirty="0"/>
+          </a:p>
+        </p:txBody>
+      </p:sp>
+      <p:cxnSp>
+        <p:nvCxnSpPr>
+          <p:cNvPr id="19" name="Connecteur droit avec flèche 18"/>
+          <p:cNvCxnSpPr/>
+          <p:nvPr/>
+        </p:nvCxnSpPr>
+        <p:spPr>
+          <a:xfrm flipH="1">
+            <a:off x="5207723" y="5634324"/>
+            <a:ext cx="1968141" cy="288343"/>
+          </a:xfrm>
+          <a:prstGeom prst="straightConnector1">
+            <a:avLst/>
+          </a:prstGeom>
+          <a:ln>
+            <a:tailEnd type="triangle"/>
+          </a:ln>
+        </p:spPr>
+        <p:style>
+          <a:lnRef idx="3">
+            <a:schemeClr val="accent2"/>
+          </a:lnRef>
+          <a:fillRef idx="0">
+            <a:schemeClr val="accent2"/>
+          </a:fillRef>
+          <a:effectRef idx="2">
+            <a:schemeClr val="accent2"/>
+          </a:effectRef>
+          <a:fontRef idx="minor">
+            <a:schemeClr val="tx1"/>
+          </a:fontRef>
+        </p:style>
+      </p:cxnSp>
+      <p:sp>
+        <p:nvSpPr>
+          <p:cNvPr id="54" name="Rectangle avec coins rognés en diagonale 53"/>
+          <p:cNvSpPr/>
+          <p:nvPr/>
+        </p:nvSpPr>
+        <p:spPr>
+          <a:xfrm>
+            <a:off x="8817431" y="2301761"/>
+            <a:ext cx="1785258" cy="1089127"/>
+          </a:xfrm>
+          <a:prstGeom prst="snip2DiagRect">
+            <a:avLst/>
+          </a:prstGeom>
+        </p:spPr>
+        <p:style>
+          <a:lnRef idx="2">
+            <a:schemeClr val="accent3">
+              <a:shade val="50000"/>
+            </a:schemeClr>
+          </a:lnRef>
+          <a:fillRef idx="1">
+            <a:schemeClr val="accent3"/>
+          </a:fillRef>
+          <a:effectRef idx="0">
+            <a:schemeClr val="accent3"/>
+          </a:effectRef>
+          <a:fontRef idx="minor">
+            <a:schemeClr val="lt1"/>
+          </a:fontRef>
+        </p:style>
+        <p:txBody>
+          <a:bodyPr rtlCol="0" anchor="ctr"/>
+          <a:lstStyle/>
+          <a:p>
+            <a:pPr algn="ctr"/>
+            <a:endParaRPr lang="fr-FR"/>
+          </a:p>
+        </p:txBody>
+      </p:sp>
+      <p:sp>
+        <p:nvSpPr>
+          <p:cNvPr id="55" name="Rectangle avec coins rognés en diagonale 54"/>
+          <p:cNvSpPr/>
+          <p:nvPr/>
+        </p:nvSpPr>
+        <p:spPr>
+          <a:xfrm>
+            <a:off x="722815" y="5721163"/>
+            <a:ext cx="483326" cy="340004"/>
+          </a:xfrm>
+          <a:prstGeom prst="snip2DiagRect">
+            <a:avLst/>
+          </a:prstGeom>
+        </p:spPr>
+        <p:style>
+          <a:lnRef idx="2">
+            <a:schemeClr val="accent3">
+              <a:shade val="50000"/>
+            </a:schemeClr>
+          </a:lnRef>
+          <a:fillRef idx="1">
+            <a:schemeClr val="accent3"/>
+          </a:fillRef>
+          <a:effectRef idx="0">
+            <a:schemeClr val="accent3"/>
+          </a:effectRef>
+          <a:fontRef idx="minor">
+            <a:schemeClr val="lt1"/>
+          </a:fontRef>
+        </p:style>
+        <p:txBody>
+          <a:bodyPr rtlCol="0" anchor="ctr"/>
+          <a:lstStyle/>
+          <a:p>
+            <a:pPr algn="ctr"/>
+            <a:endParaRPr lang="fr-FR"/>
+          </a:p>
+        </p:txBody>
+      </p:sp>
+      <p:sp>
+        <p:nvSpPr>
+          <p:cNvPr id="56" name="ZoneTexte 55"/>
+          <p:cNvSpPr txBox="1"/>
+          <p:nvPr/>
+        </p:nvSpPr>
+        <p:spPr>
+          <a:xfrm>
+            <a:off x="1005837" y="5784168"/>
+            <a:ext cx="1402082" cy="276999"/>
+          </a:xfrm>
+          <a:prstGeom prst="rect">
+            <a:avLst/>
+          </a:prstGeom>
+          <a:noFill/>
+        </p:spPr>
+        <p:txBody>
+          <a:bodyPr wrap="square" rtlCol="0">
+            <a:spAutoFit/>
+          </a:bodyPr>
+          <a:lstStyle/>
+          <a:p>
+            <a:pPr algn="ctr"/>
+            <a:r>
+              <a:rPr lang="fr-FR" sz="1200" dirty="0" smtClean="0"/>
+              <a:t>Conteneur</a:t>
+            </a:r>
+            <a:endParaRPr lang="fr-FR" sz="1600" dirty="0"/>
+          </a:p>
+        </p:txBody>
+      </p:sp>
+      <p:sp>
+        <p:nvSpPr>
+          <p:cNvPr id="57" name="Cylindre 56"/>
+          <p:cNvSpPr/>
+          <p:nvPr/>
+        </p:nvSpPr>
+        <p:spPr>
+          <a:xfrm>
+            <a:off x="722814" y="5251698"/>
+            <a:ext cx="483326" cy="374915"/>
+          </a:xfrm>
+          <a:prstGeom prst="can">
+            <a:avLst/>
+          </a:prstGeom>
+        </p:spPr>
+        <p:style>
+          <a:lnRef idx="2">
+            <a:schemeClr val="accent2">
+              <a:shade val="50000"/>
+            </a:schemeClr>
+          </a:lnRef>
+          <a:fillRef idx="1">
+            <a:schemeClr val="accent2"/>
+          </a:fillRef>
+          <a:effectRef idx="0">
+            <a:schemeClr val="accent2"/>
+          </a:effectRef>
+          <a:fontRef idx="minor">
+            <a:schemeClr val="lt1"/>
+          </a:fontRef>
+        </p:style>
+        <p:txBody>
+          <a:bodyPr rtlCol="0" anchor="ctr"/>
+          <a:lstStyle/>
+          <a:p>
+            <a:pPr algn="ctr"/>
+            <a:endParaRPr lang="fr-FR"/>
+          </a:p>
+        </p:txBody>
+      </p:sp>
+      <p:sp>
+        <p:nvSpPr>
+          <p:cNvPr id="58" name="ZoneTexte 57"/>
+          <p:cNvSpPr txBox="1"/>
+          <p:nvPr/>
+        </p:nvSpPr>
+        <p:spPr>
+          <a:xfrm>
+            <a:off x="1105985" y="5296341"/>
+            <a:ext cx="1402082" cy="276999"/>
+          </a:xfrm>
+          <a:prstGeom prst="rect">
+            <a:avLst/>
+          </a:prstGeom>
+          <a:noFill/>
+        </p:spPr>
+        <p:txBody>
+          <a:bodyPr wrap="square" rtlCol="0">
+            <a:spAutoFit/>
+          </a:bodyPr>
+          <a:lstStyle/>
+          <a:p>
+            <a:pPr algn="ctr"/>
+            <a:r>
+              <a:rPr lang="fr-FR" sz="1200" dirty="0" smtClean="0"/>
+              <a:t>Dépôt de config</a:t>
+            </a:r>
+            <a:endParaRPr lang="fr-FR" sz="1600" dirty="0"/>
+          </a:p>
+        </p:txBody>
+      </p:sp>
+      <p:sp>
+        <p:nvSpPr>
+          <p:cNvPr id="59" name="Organigramme : Alternative 58"/>
+          <p:cNvSpPr/>
+          <p:nvPr/>
+        </p:nvSpPr>
+        <p:spPr>
+          <a:xfrm>
+            <a:off x="727164" y="4646527"/>
+            <a:ext cx="435422" cy="401693"/>
+          </a:xfrm>
+          <a:prstGeom prst="flowChartAlternateProcess">
+            <a:avLst/>
+          </a:prstGeom>
+          <a:ln/>
+        </p:spPr>
+        <p:style>
+          <a:lnRef idx="1">
+            <a:schemeClr val="accent1"/>
+          </a:lnRef>
+          <a:fillRef idx="2">
+            <a:schemeClr val="accent1"/>
+          </a:fillRef>
+          <a:effectRef idx="1">
+            <a:schemeClr val="accent1"/>
+          </a:effectRef>
+          <a:fontRef idx="minor">
+            <a:schemeClr val="dk1"/>
+          </a:fontRef>
+        </p:style>
+        <p:txBody>
+          <a:bodyPr rtlCol="0" anchor="ctr"/>
+          <a:lstStyle/>
+          <a:p>
+            <a:pPr algn="ctr"/>
+            <a:endParaRPr lang="fr-FR"/>
+          </a:p>
+        </p:txBody>
+      </p:sp>
+      <p:sp>
+        <p:nvSpPr>
+          <p:cNvPr id="60" name="ZoneTexte 59"/>
+          <p:cNvSpPr txBox="1"/>
+          <p:nvPr/>
+        </p:nvSpPr>
+        <p:spPr>
+          <a:xfrm>
+            <a:off x="1162610" y="4720328"/>
+            <a:ext cx="1119050" cy="276999"/>
+          </a:xfrm>
+          <a:prstGeom prst="rect">
+            <a:avLst/>
+          </a:prstGeom>
+          <a:noFill/>
+        </p:spPr>
+        <p:txBody>
+          <a:bodyPr wrap="square" rtlCol="0">
+            <a:spAutoFit/>
+          </a:bodyPr>
+          <a:lstStyle/>
+          <a:p>
+            <a:pPr algn="ctr"/>
+            <a:r>
+              <a:rPr lang="fr-FR" sz="1200" dirty="0" err="1" smtClean="0"/>
+              <a:t>Env</a:t>
+            </a:r>
+            <a:r>
+              <a:rPr lang="fr-FR" sz="1200" dirty="0" smtClean="0"/>
+              <a:t> docker</a:t>
+            </a:r>
+            <a:endParaRPr lang="fr-FR" sz="1600" dirty="0"/>
+          </a:p>
+        </p:txBody>
+      </p:sp>
+      <p:sp>
+        <p:nvSpPr>
+          <p:cNvPr id="49" name="Cylindre 48"/>
+          <p:cNvSpPr/>
+          <p:nvPr/>
+        </p:nvSpPr>
+        <p:spPr>
+          <a:xfrm>
+            <a:off x="9274629" y="2390651"/>
+            <a:ext cx="853436" cy="875063"/>
+          </a:xfrm>
+          <a:prstGeom prst="can">
+            <a:avLst/>
+          </a:prstGeom>
+        </p:spPr>
+        <p:style>
+          <a:lnRef idx="2">
+            <a:schemeClr val="accent1">
+              <a:shade val="50000"/>
+            </a:schemeClr>
+          </a:lnRef>
+          <a:fillRef idx="1">
+            <a:schemeClr val="accent1"/>
+          </a:fillRef>
+          <a:effectRef idx="0">
+            <a:schemeClr val="accent1"/>
+          </a:effectRef>
+          <a:fontRef idx="minor">
+            <a:schemeClr val="lt1"/>
+          </a:fontRef>
+        </p:style>
+        <p:txBody>
+          <a:bodyPr rtlCol="0" anchor="ctr"/>
+          <a:lstStyle/>
+          <a:p>
+            <a:pPr algn="ctr"/>
+            <a:endParaRPr lang="fr-FR"/>
+          </a:p>
+        </p:txBody>
+      </p:sp>
+      <p:sp>
+        <p:nvSpPr>
+          <p:cNvPr id="50" name="ZoneTexte 49"/>
+          <p:cNvSpPr txBox="1"/>
+          <p:nvPr/>
+        </p:nvSpPr>
+        <p:spPr>
+          <a:xfrm>
+            <a:off x="9374774" y="2728358"/>
+            <a:ext cx="653144" cy="338554"/>
+          </a:xfrm>
+          <a:prstGeom prst="rect">
+            <a:avLst/>
+          </a:prstGeom>
+          <a:noFill/>
+        </p:spPr>
+        <p:txBody>
+          <a:bodyPr wrap="square" rtlCol="0">
+            <a:spAutoFit/>
+          </a:bodyPr>
+          <a:lstStyle/>
+          <a:p>
+            <a:pPr algn="ctr"/>
+            <a:r>
+              <a:rPr lang="fr-FR" sz="1600" dirty="0" smtClean="0"/>
+              <a:t>BD</a:t>
+            </a:r>
+            <a:endParaRPr lang="fr-FR" sz="1600" dirty="0"/>
+          </a:p>
+        </p:txBody>
+      </p:sp>
+      <p:sp>
+        <p:nvSpPr>
+          <p:cNvPr id="61" name="ZoneTexte 60"/>
+          <p:cNvSpPr txBox="1"/>
+          <p:nvPr/>
+        </p:nvSpPr>
+        <p:spPr>
+          <a:xfrm>
+            <a:off x="6518366" y="1074646"/>
+            <a:ext cx="1663337" cy="261610"/>
+          </a:xfrm>
+          <a:prstGeom prst="rect">
+            <a:avLst/>
+          </a:prstGeom>
+          <a:noFill/>
+        </p:spPr>
+        <p:txBody>
+          <a:bodyPr wrap="square" rtlCol="0">
+            <a:spAutoFit/>
+          </a:bodyPr>
+          <a:lstStyle/>
+          <a:p>
+            <a:pPr algn="ctr"/>
+            <a:r>
+              <a:rPr lang="fr-FR" sz="1100" dirty="0" smtClean="0">
+                <a:solidFill>
+                  <a:srgbClr val="FF0000"/>
+                </a:solidFill>
+              </a:rPr>
+              <a:t>Port:8090</a:t>
+            </a:r>
+            <a:endParaRPr lang="fr-FR" sz="1600" dirty="0">
+              <a:solidFill>
+                <a:srgbClr val="FF0000"/>
+              </a:solidFill>
+            </a:endParaRPr>
+          </a:p>
+        </p:txBody>
+      </p:sp>
+      <p:sp>
+        <p:nvSpPr>
+          <p:cNvPr id="62" name="ZoneTexte 61"/>
+          <p:cNvSpPr txBox="1"/>
+          <p:nvPr/>
+        </p:nvSpPr>
+        <p:spPr>
+          <a:xfrm>
+            <a:off x="8826140" y="4687761"/>
+            <a:ext cx="1767839" cy="400110"/>
+          </a:xfrm>
+          <a:prstGeom prst="rect">
+            <a:avLst/>
+          </a:prstGeom>
+          <a:noFill/>
+        </p:spPr>
+        <p:txBody>
+          <a:bodyPr wrap="square" rtlCol="0">
+            <a:spAutoFit/>
+          </a:bodyPr>
+          <a:lstStyle/>
+          <a:p>
+            <a:pPr algn="ctr"/>
+            <a:r>
+              <a:rPr lang="fr-FR" sz="2000" dirty="0" smtClean="0"/>
+              <a:t>Docker Engine</a:t>
+            </a:r>
+            <a:endParaRPr lang="fr-FR" sz="2000" dirty="0"/>
+          </a:p>
+        </p:txBody>
+      </p:sp>
+      <p:sp>
+        <p:nvSpPr>
+          <p:cNvPr id="63" name="ZoneTexte 62"/>
+          <p:cNvSpPr txBox="1"/>
+          <p:nvPr/>
+        </p:nvSpPr>
+        <p:spPr>
+          <a:xfrm>
+            <a:off x="4145277" y="1778541"/>
+            <a:ext cx="1288873" cy="1569660"/>
+          </a:xfrm>
+          <a:prstGeom prst="rect">
+            <a:avLst/>
+          </a:prstGeom>
+          <a:noFill/>
+        </p:spPr>
+        <p:txBody>
+          <a:bodyPr wrap="square" rtlCol="0">
+            <a:spAutoFit/>
+          </a:bodyPr>
+          <a:lstStyle/>
+          <a:p>
+            <a:pPr algn="ctr"/>
+            <a:r>
+              <a:rPr lang="fr-FR" sz="1600" dirty="0" smtClean="0"/>
+              <a:t>Gateway-api-home-</a:t>
+            </a:r>
+            <a:r>
+              <a:rPr lang="fr-FR" sz="1600" dirty="0" err="1" smtClean="0"/>
+              <a:t>app</a:t>
+            </a:r>
+            <a:endParaRPr lang="fr-FR" sz="1600" dirty="0" smtClean="0"/>
+          </a:p>
+          <a:p>
+            <a:pPr algn="ctr"/>
+            <a:r>
+              <a:rPr lang="fr-FR" sz="1600" dirty="0" smtClean="0"/>
+              <a:t> </a:t>
+            </a:r>
+          </a:p>
+          <a:p>
+            <a:pPr algn="ctr"/>
+            <a:r>
+              <a:rPr lang="fr-FR" sz="1600" dirty="0" smtClean="0"/>
+              <a:t>+ </a:t>
+            </a:r>
+          </a:p>
+          <a:p>
+            <a:pPr algn="ctr"/>
+            <a:endParaRPr lang="fr-FR" sz="1600" dirty="0"/>
+          </a:p>
+          <a:p>
+            <a:pPr algn="ctr"/>
+            <a:r>
+              <a:rPr lang="fr-FR" sz="1600" dirty="0" smtClean="0"/>
+              <a:t>Auth-api</a:t>
+            </a:r>
+          </a:p>
+        </p:txBody>
+      </p:sp>
+      <p:sp>
+        <p:nvSpPr>
+          <p:cNvPr id="64" name="ZoneTexte 63"/>
+          <p:cNvSpPr txBox="1"/>
+          <p:nvPr/>
+        </p:nvSpPr>
+        <p:spPr>
+          <a:xfrm>
+            <a:off x="3979816" y="4122206"/>
+            <a:ext cx="1663337" cy="523220"/>
+          </a:xfrm>
+          <a:prstGeom prst="rect">
+            <a:avLst/>
+          </a:prstGeom>
+          <a:noFill/>
+        </p:spPr>
+        <p:txBody>
+          <a:bodyPr wrap="square" rtlCol="0">
+            <a:spAutoFit/>
+          </a:bodyPr>
+          <a:lstStyle/>
+          <a:p>
+            <a:pPr algn="ctr"/>
+            <a:r>
+              <a:rPr lang="fr-FR" sz="1200" dirty="0">
+                <a:solidFill>
+                  <a:srgbClr val="FF0000"/>
+                </a:solidFill>
+              </a:rPr>
+              <a:t>port:8080</a:t>
+            </a:r>
+          </a:p>
+          <a:p>
+            <a:pPr algn="ctr"/>
+            <a:r>
+              <a:rPr lang="fr-FR" sz="1600" dirty="0" smtClean="0"/>
+              <a:t>ZUUL-Server</a:t>
+            </a:r>
+            <a:endParaRPr lang="fr-FR" sz="1100" dirty="0">
+              <a:solidFill>
+                <a:srgbClr val="FF0000"/>
+              </a:solidFill>
+            </a:endParaRPr>
+          </a:p>
+        </p:txBody>
+      </p:sp>
+      <p:sp>
+        <p:nvSpPr>
+          <p:cNvPr id="65" name="ZoneTexte 64"/>
+          <p:cNvSpPr txBox="1"/>
+          <p:nvPr/>
+        </p:nvSpPr>
+        <p:spPr>
+          <a:xfrm>
+            <a:off x="6553197" y="4277116"/>
+            <a:ext cx="1663337" cy="338554"/>
+          </a:xfrm>
+          <a:prstGeom prst="rect">
+            <a:avLst/>
+          </a:prstGeom>
+          <a:noFill/>
+        </p:spPr>
+        <p:txBody>
+          <a:bodyPr wrap="square" rtlCol="0">
+            <a:spAutoFit/>
+          </a:bodyPr>
+          <a:lstStyle/>
+          <a:p>
+            <a:pPr algn="ctr"/>
+            <a:r>
+              <a:rPr lang="fr-FR" sz="1600" dirty="0" smtClean="0"/>
+              <a:t>Eureka-clients</a:t>
+            </a:r>
+            <a:endParaRPr lang="fr-FR" sz="1600" dirty="0"/>
+          </a:p>
+        </p:txBody>
+      </p:sp>
+      <p:cxnSp>
+        <p:nvCxnSpPr>
+          <p:cNvPr id="69" name="Connecteur droit 68"/>
+          <p:cNvCxnSpPr/>
+          <p:nvPr/>
+        </p:nvCxnSpPr>
+        <p:spPr>
+          <a:xfrm flipH="1">
+            <a:off x="8543109" y="1715589"/>
+            <a:ext cx="17417" cy="3667806"/>
+          </a:xfrm>
+          <a:prstGeom prst="line">
+            <a:avLst/>
+          </a:prstGeom>
+        </p:spPr>
+        <p:style>
+          <a:lnRef idx="3">
+            <a:schemeClr val="accent6"/>
+          </a:lnRef>
+          <a:fillRef idx="0">
+            <a:schemeClr val="accent6"/>
+          </a:fillRef>
+          <a:effectRef idx="2">
+            <a:schemeClr val="accent6"/>
+          </a:effectRef>
+          <a:fontRef idx="minor">
+            <a:schemeClr val="tx1"/>
+          </a:fontRef>
+        </p:style>
+      </p:cxnSp>
+      <p:cxnSp>
+        <p:nvCxnSpPr>
+          <p:cNvPr id="72" name="Connecteur droit avec flèche 71"/>
+          <p:cNvCxnSpPr/>
+          <p:nvPr/>
+        </p:nvCxnSpPr>
+        <p:spPr>
+          <a:xfrm flipH="1" flipV="1">
+            <a:off x="8268786" y="1715589"/>
+            <a:ext cx="291740" cy="1"/>
+          </a:xfrm>
+          <a:prstGeom prst="straightConnector1">
+            <a:avLst/>
+          </a:prstGeom>
+          <a:ln>
+            <a:tailEnd type="triangle"/>
+          </a:ln>
+        </p:spPr>
+        <p:style>
+          <a:lnRef idx="3">
+            <a:schemeClr val="accent6"/>
+          </a:lnRef>
+          <a:fillRef idx="0">
+            <a:schemeClr val="accent6"/>
+          </a:fillRef>
+          <a:effectRef idx="2">
+            <a:schemeClr val="accent6"/>
+          </a:effectRef>
+          <a:fontRef idx="minor">
+            <a:schemeClr val="tx1"/>
+          </a:fontRef>
+        </p:style>
+      </p:cxnSp>
+      <p:cxnSp>
+        <p:nvCxnSpPr>
+          <p:cNvPr id="74" name="Connecteur droit avec flèche 73"/>
+          <p:cNvCxnSpPr/>
+          <p:nvPr/>
+        </p:nvCxnSpPr>
+        <p:spPr>
+          <a:xfrm flipH="1" flipV="1">
+            <a:off x="8255725" y="2783667"/>
+            <a:ext cx="296094" cy="5066"/>
+          </a:xfrm>
+          <a:prstGeom prst="straightConnector1">
+            <a:avLst/>
+          </a:prstGeom>
+          <a:ln>
+            <a:tailEnd type="triangle"/>
+          </a:ln>
+        </p:spPr>
+        <p:style>
+          <a:lnRef idx="3">
+            <a:schemeClr val="accent6"/>
+          </a:lnRef>
+          <a:fillRef idx="0">
+            <a:schemeClr val="accent6"/>
+          </a:fillRef>
+          <a:effectRef idx="2">
+            <a:schemeClr val="accent6"/>
+          </a:effectRef>
+          <a:fontRef idx="minor">
+            <a:schemeClr val="tx1"/>
+          </a:fontRef>
+        </p:style>
+      </p:cxnSp>
+      <p:cxnSp>
+        <p:nvCxnSpPr>
+          <p:cNvPr id="76" name="Connecteur droit avec flèche 75"/>
+          <p:cNvCxnSpPr/>
+          <p:nvPr/>
+        </p:nvCxnSpPr>
+        <p:spPr>
+          <a:xfrm flipH="1">
+            <a:off x="8247015" y="3921920"/>
+            <a:ext cx="304802" cy="2533"/>
+          </a:xfrm>
+          <a:prstGeom prst="straightConnector1">
+            <a:avLst/>
+          </a:prstGeom>
+          <a:ln>
+            <a:tailEnd type="triangle"/>
+          </a:ln>
+        </p:spPr>
+        <p:style>
+          <a:lnRef idx="3">
+            <a:schemeClr val="accent6"/>
+          </a:lnRef>
+          <a:fillRef idx="0">
+            <a:schemeClr val="accent6"/>
+          </a:fillRef>
+          <a:effectRef idx="2">
+            <a:schemeClr val="accent6"/>
+          </a:effectRef>
+          <a:fontRef idx="minor">
+            <a:schemeClr val="tx1"/>
+          </a:fontRef>
+        </p:style>
+      </p:cxnSp>
+      <p:sp>
+        <p:nvSpPr>
+          <p:cNvPr id="88" name="Rectangle à coins arrondis 87"/>
+          <p:cNvSpPr/>
+          <p:nvPr/>
+        </p:nvSpPr>
+        <p:spPr>
+          <a:xfrm>
+            <a:off x="722814" y="2604175"/>
+            <a:ext cx="1515291" cy="1037415"/>
+          </a:xfrm>
+          <a:prstGeom prst="roundRect">
+            <a:avLst/>
+          </a:prstGeom>
+        </p:spPr>
+        <p:style>
+          <a:lnRef idx="2">
+            <a:schemeClr val="accent2">
+              <a:shade val="50000"/>
+            </a:schemeClr>
+          </a:lnRef>
+          <a:fillRef idx="1">
+            <a:schemeClr val="accent2"/>
+          </a:fillRef>
+          <a:effectRef idx="0">
+            <a:schemeClr val="accent2"/>
+          </a:effectRef>
+          <a:fontRef idx="minor">
+            <a:schemeClr val="lt1"/>
+          </a:fontRef>
+        </p:style>
+        <p:txBody>
+          <a:bodyPr rtlCol="0" anchor="ctr"/>
+          <a:lstStyle/>
+          <a:p>
+            <a:pPr algn="ctr"/>
+            <a:endParaRPr lang="fr-FR"/>
+          </a:p>
+        </p:txBody>
+      </p:sp>
+      <p:pic>
+        <p:nvPicPr>
+          <p:cNvPr id="1028" name="Picture 4" descr="Résultat de recherche d'images pour &quot;angular 8&quot;"/>
+          <p:cNvPicPr>
+            <a:picLocks noChangeAspect="1" noChangeArrowheads="1"/>
+          </p:cNvPicPr>
+          <p:nvPr/>
+        </p:nvPicPr>
+        <p:blipFill>
+          <a:blip r:embed="rId2" cstate="print">
+            <a:extLst>
+              <a:ext uri="{28A0092B-C50C-407E-A947-70E740481C1C}">
+                <a14:useLocalDpi xmlns:a14="http://schemas.microsoft.com/office/drawing/2010/main" val="0"/>
+              </a:ext>
+            </a:extLst>
+          </a:blip>
+          <a:srcRect/>
+          <a:stretch>
+            <a:fillRect/>
+          </a:stretch>
+        </p:blipFill>
+        <p:spPr bwMode="auto">
+          <a:xfrm>
+            <a:off x="1010669" y="2645537"/>
+            <a:ext cx="903926" cy="997548"/>
+          </a:xfrm>
+          <a:prstGeom prst="rect">
+            <a:avLst/>
+          </a:prstGeom>
+          <a:noFill/>
+          <a:extLst>
+            <a:ext uri="{909E8E84-426E-40DD-AFC4-6F175D3DCCD1}">
+              <a14:hiddenFill xmlns:a14="http://schemas.microsoft.com/office/drawing/2010/main">
+                <a:solidFill>
+                  <a:srgbClr val="FFFFFF"/>
+                </a:solidFill>
+              </a14:hiddenFill>
+            </a:ext>
+          </a:extLst>
+        </p:spPr>
+      </p:pic>
+      <p:cxnSp>
+        <p:nvCxnSpPr>
+          <p:cNvPr id="87" name="Connecteur droit avec flèche 86"/>
+          <p:cNvCxnSpPr/>
+          <p:nvPr/>
+        </p:nvCxnSpPr>
+        <p:spPr>
+          <a:xfrm>
+            <a:off x="2281660" y="2897635"/>
+            <a:ext cx="1480444" cy="0"/>
+          </a:xfrm>
+          <a:prstGeom prst="straightConnector1">
+            <a:avLst/>
+          </a:prstGeom>
+          <a:ln>
+            <a:tailEnd type="triangle"/>
+          </a:ln>
+        </p:spPr>
+        <p:style>
+          <a:lnRef idx="2">
+            <a:schemeClr val="dk1"/>
+          </a:lnRef>
+          <a:fillRef idx="0">
+            <a:schemeClr val="dk1"/>
+          </a:fillRef>
+          <a:effectRef idx="1">
+            <a:schemeClr val="dk1"/>
+          </a:effectRef>
+          <a:fontRef idx="minor">
+            <a:schemeClr val="tx1"/>
+          </a:fontRef>
+        </p:style>
+      </p:cxnSp>
+      <p:cxnSp>
+        <p:nvCxnSpPr>
+          <p:cNvPr id="90" name="Connecteur droit avec flèche 89"/>
+          <p:cNvCxnSpPr/>
+          <p:nvPr/>
+        </p:nvCxnSpPr>
+        <p:spPr>
+          <a:xfrm flipH="1">
+            <a:off x="2238105" y="3390888"/>
+            <a:ext cx="1523999" cy="0"/>
+          </a:xfrm>
+          <a:prstGeom prst="straightConnector1">
+            <a:avLst/>
+          </a:prstGeom>
+          <a:ln>
+            <a:tailEnd type="triangle"/>
+          </a:ln>
+        </p:spPr>
+        <p:style>
+          <a:lnRef idx="2">
+            <a:schemeClr val="dk1"/>
+          </a:lnRef>
+          <a:fillRef idx="0">
+            <a:schemeClr val="dk1"/>
+          </a:fillRef>
+          <a:effectRef idx="1">
+            <a:schemeClr val="dk1"/>
+          </a:effectRef>
+          <a:fontRef idx="minor">
+            <a:schemeClr val="tx1"/>
+          </a:fontRef>
+        </p:style>
+      </p:cxnSp>
+      <p:sp>
+        <p:nvSpPr>
+          <p:cNvPr id="93" name="ZoneTexte 92"/>
+          <p:cNvSpPr txBox="1"/>
+          <p:nvPr/>
+        </p:nvSpPr>
+        <p:spPr>
+          <a:xfrm>
+            <a:off x="648789" y="3639283"/>
+            <a:ext cx="1663337" cy="507831"/>
+          </a:xfrm>
+          <a:prstGeom prst="rect">
+            <a:avLst/>
+          </a:prstGeom>
+          <a:noFill/>
+        </p:spPr>
+        <p:txBody>
+          <a:bodyPr wrap="square" rtlCol="0">
+            <a:spAutoFit/>
+          </a:bodyPr>
+          <a:lstStyle/>
+          <a:p>
+            <a:pPr algn="ctr"/>
+            <a:r>
+              <a:rPr lang="fr-FR" sz="1600" dirty="0" smtClean="0"/>
+              <a:t>Home-</a:t>
+            </a:r>
+            <a:r>
+              <a:rPr lang="fr-FR" sz="1600" dirty="0" err="1" smtClean="0"/>
+              <a:t>app</a:t>
+            </a:r>
+            <a:r>
+              <a:rPr lang="fr-FR" sz="1600" dirty="0" smtClean="0"/>
+              <a:t> </a:t>
+            </a:r>
+          </a:p>
+          <a:p>
+            <a:pPr algn="ctr"/>
+            <a:r>
+              <a:rPr lang="fr-FR" sz="1100" dirty="0" smtClean="0"/>
+              <a:t>(Angular 8)</a:t>
+            </a:r>
+            <a:endParaRPr lang="fr-FR" sz="1100" dirty="0"/>
+          </a:p>
+        </p:txBody>
+      </p:sp>
+      <p:sp>
+        <p:nvSpPr>
+          <p:cNvPr id="95" name="ZoneTexte 94"/>
+          <p:cNvSpPr txBox="1"/>
+          <p:nvPr/>
+        </p:nvSpPr>
+        <p:spPr>
+          <a:xfrm>
+            <a:off x="2473236" y="2566572"/>
+            <a:ext cx="1097281" cy="261610"/>
+          </a:xfrm>
+          <a:prstGeom prst="rect">
+            <a:avLst/>
+          </a:prstGeom>
+        </p:spPr>
+        <p:style>
+          <a:lnRef idx="2">
+            <a:schemeClr val="accent4"/>
+          </a:lnRef>
+          <a:fillRef idx="1">
+            <a:schemeClr val="lt1"/>
+          </a:fillRef>
+          <a:effectRef idx="0">
+            <a:schemeClr val="accent4"/>
+          </a:effectRef>
+          <a:fontRef idx="minor">
+            <a:schemeClr val="dk1"/>
+          </a:fontRef>
+        </p:style>
+        <p:txBody>
+          <a:bodyPr wrap="square" rtlCol="0">
+            <a:spAutoFit/>
+          </a:bodyPr>
+          <a:lstStyle/>
+          <a:p>
+            <a:pPr algn="ctr"/>
+            <a:r>
+              <a:rPr lang="fr-FR" sz="1100" dirty="0"/>
+              <a:t>REST </a:t>
+            </a:r>
+            <a:r>
+              <a:rPr lang="fr-FR" sz="1100" dirty="0" smtClean="0"/>
+              <a:t>Request</a:t>
+            </a:r>
+            <a:endParaRPr lang="fr-FR" sz="1100" dirty="0"/>
+          </a:p>
+        </p:txBody>
+      </p:sp>
+      <p:sp>
+        <p:nvSpPr>
+          <p:cNvPr id="96" name="ZoneTexte 95"/>
+          <p:cNvSpPr txBox="1"/>
+          <p:nvPr/>
+        </p:nvSpPr>
+        <p:spPr>
+          <a:xfrm>
+            <a:off x="2486295" y="3453822"/>
+            <a:ext cx="1097281" cy="261610"/>
+          </a:xfrm>
+          <a:prstGeom prst="rect">
+            <a:avLst/>
+          </a:prstGeom>
+        </p:spPr>
+        <p:style>
+          <a:lnRef idx="2">
+            <a:schemeClr val="accent4"/>
+          </a:lnRef>
+          <a:fillRef idx="1">
+            <a:schemeClr val="lt1"/>
+          </a:fillRef>
+          <a:effectRef idx="0">
+            <a:schemeClr val="accent4"/>
+          </a:effectRef>
+          <a:fontRef idx="minor">
+            <a:schemeClr val="dk1"/>
+          </a:fontRef>
+        </p:style>
+        <p:txBody>
+          <a:bodyPr wrap="square" rtlCol="0">
+            <a:spAutoFit/>
+          </a:bodyPr>
+          <a:lstStyle/>
+          <a:p>
+            <a:pPr algn="ctr"/>
+            <a:r>
+              <a:rPr lang="fr-FR" sz="1100" dirty="0"/>
+              <a:t>REST </a:t>
+            </a:r>
+            <a:r>
+              <a:rPr lang="fr-FR" sz="1100" dirty="0" smtClean="0"/>
+              <a:t>Response</a:t>
+            </a:r>
+            <a:endParaRPr lang="fr-FR" sz="1100" dirty="0"/>
+          </a:p>
+        </p:txBody>
+      </p:sp>
+      <p:cxnSp>
+        <p:nvCxnSpPr>
+          <p:cNvPr id="94" name="Connecteur droit 93"/>
+          <p:cNvCxnSpPr/>
+          <p:nvPr/>
+        </p:nvCxnSpPr>
+        <p:spPr>
+          <a:xfrm flipV="1">
+            <a:off x="5434149" y="1498913"/>
+            <a:ext cx="1005841" cy="627723"/>
+          </a:xfrm>
+          <a:prstGeom prst="line">
+            <a:avLst/>
+          </a:prstGeom>
+        </p:spPr>
+        <p:style>
+          <a:lnRef idx="1">
+            <a:schemeClr val="accent1"/>
+          </a:lnRef>
+          <a:fillRef idx="0">
+            <a:schemeClr val="accent1"/>
+          </a:fillRef>
+          <a:effectRef idx="0">
+            <a:schemeClr val="accent1"/>
+          </a:effectRef>
+          <a:fontRef idx="minor">
+            <a:schemeClr val="tx1"/>
+          </a:fontRef>
+        </p:style>
+      </p:cxnSp>
+      <p:cxnSp>
+        <p:nvCxnSpPr>
+          <p:cNvPr id="98" name="Connecteur droit 97"/>
+          <p:cNvCxnSpPr>
+            <a:endCxn id="44" idx="1"/>
+          </p:cNvCxnSpPr>
+          <p:nvPr/>
+        </p:nvCxnSpPr>
+        <p:spPr>
+          <a:xfrm>
+            <a:off x="5416731" y="2783667"/>
+            <a:ext cx="1023259" cy="7586"/>
+          </a:xfrm>
+          <a:prstGeom prst="line">
+            <a:avLst/>
+          </a:prstGeom>
+        </p:spPr>
+        <p:style>
+          <a:lnRef idx="1">
+            <a:schemeClr val="accent1"/>
+          </a:lnRef>
+          <a:fillRef idx="0">
+            <a:schemeClr val="accent1"/>
+          </a:fillRef>
+          <a:effectRef idx="0">
+            <a:schemeClr val="accent1"/>
+          </a:effectRef>
+          <a:fontRef idx="minor">
+            <a:schemeClr val="tx1"/>
+          </a:fontRef>
+        </p:style>
+      </p:cxnSp>
+      <p:cxnSp>
+        <p:nvCxnSpPr>
+          <p:cNvPr id="100" name="Connecteur droit 99"/>
+          <p:cNvCxnSpPr>
+            <a:endCxn id="45" idx="1"/>
+          </p:cNvCxnSpPr>
+          <p:nvPr/>
+        </p:nvCxnSpPr>
+        <p:spPr>
+          <a:xfrm>
+            <a:off x="5416731" y="3468759"/>
+            <a:ext cx="1031966" cy="436325"/>
+          </a:xfrm>
+          <a:prstGeom prst="line">
+            <a:avLst/>
+          </a:prstGeom>
+        </p:spPr>
+        <p:style>
+          <a:lnRef idx="1">
+            <a:schemeClr val="accent1"/>
+          </a:lnRef>
+          <a:fillRef idx="0">
+            <a:schemeClr val="accent1"/>
+          </a:fillRef>
+          <a:effectRef idx="0">
+            <a:schemeClr val="accent1"/>
+          </a:effectRef>
+          <a:fontRef idx="minor">
+            <a:schemeClr val="tx1"/>
+          </a:fontRef>
+        </p:style>
+      </p:cxnSp>
+      <p:cxnSp>
+        <p:nvCxnSpPr>
+          <p:cNvPr id="105" name="Connecteur droit 104"/>
+          <p:cNvCxnSpPr/>
+          <p:nvPr/>
+        </p:nvCxnSpPr>
+        <p:spPr>
+          <a:xfrm flipH="1" flipV="1">
+            <a:off x="8229600" y="2001211"/>
+            <a:ext cx="596540" cy="479451"/>
+          </a:xfrm>
+          <a:prstGeom prst="line">
+            <a:avLst/>
+          </a:prstGeom>
+        </p:spPr>
+        <p:style>
+          <a:lnRef idx="1">
+            <a:schemeClr val="accent1"/>
+          </a:lnRef>
+          <a:fillRef idx="0">
+            <a:schemeClr val="accent1"/>
+          </a:fillRef>
+          <a:effectRef idx="0">
+            <a:schemeClr val="accent1"/>
+          </a:effectRef>
+          <a:fontRef idx="minor">
+            <a:schemeClr val="tx1"/>
+          </a:fontRef>
+        </p:style>
+      </p:cxnSp>
+      <p:cxnSp>
+        <p:nvCxnSpPr>
+          <p:cNvPr id="107" name="Connecteur droit 106"/>
+          <p:cNvCxnSpPr/>
+          <p:nvPr/>
+        </p:nvCxnSpPr>
+        <p:spPr>
+          <a:xfrm flipH="1">
+            <a:off x="8242662" y="2922646"/>
+            <a:ext cx="574769" cy="0"/>
+          </a:xfrm>
+          <a:prstGeom prst="line">
+            <a:avLst/>
+          </a:prstGeom>
+        </p:spPr>
+        <p:style>
+          <a:lnRef idx="1">
+            <a:schemeClr val="accent1"/>
+          </a:lnRef>
+          <a:fillRef idx="0">
+            <a:schemeClr val="accent1"/>
+          </a:fillRef>
+          <a:effectRef idx="0">
+            <a:schemeClr val="accent1"/>
+          </a:effectRef>
+          <a:fontRef idx="minor">
+            <a:schemeClr val="tx1"/>
+          </a:fontRef>
+        </p:style>
+      </p:cxnSp>
+      <p:cxnSp>
+        <p:nvCxnSpPr>
+          <p:cNvPr id="109" name="Connecteur droit 108"/>
+          <p:cNvCxnSpPr/>
+          <p:nvPr/>
+        </p:nvCxnSpPr>
+        <p:spPr>
+          <a:xfrm flipH="1">
+            <a:off x="8268786" y="3390888"/>
+            <a:ext cx="735877" cy="344919"/>
+          </a:xfrm>
+          <a:prstGeom prst="line">
+            <a:avLst/>
+          </a:prstGeom>
+        </p:spPr>
+        <p:style>
+          <a:lnRef idx="1">
+            <a:schemeClr val="accent1"/>
+          </a:lnRef>
+          <a:fillRef idx="0">
+            <a:schemeClr val="accent1"/>
+          </a:fillRef>
+          <a:effectRef idx="0">
+            <a:schemeClr val="accent1"/>
+          </a:effectRef>
+          <a:fontRef idx="minor">
+            <a:schemeClr val="tx1"/>
+          </a:fontRef>
+        </p:style>
+      </p:cxnSp>
+      <p:sp>
+        <p:nvSpPr>
+          <p:cNvPr id="112" name="ZoneTexte 111"/>
+          <p:cNvSpPr txBox="1"/>
+          <p:nvPr/>
+        </p:nvSpPr>
+        <p:spPr>
+          <a:xfrm>
+            <a:off x="4450079" y="326915"/>
+            <a:ext cx="2612572" cy="461665"/>
+          </a:xfrm>
+          <a:prstGeom prst="rect">
+            <a:avLst/>
+          </a:prstGeom>
+          <a:noFill/>
+        </p:spPr>
+        <p:txBody>
+          <a:bodyPr wrap="square" rtlCol="0">
+            <a:spAutoFit/>
+          </a:bodyPr>
+          <a:lstStyle/>
+          <a:p>
+            <a:pPr algn="ctr"/>
+            <a:r>
+              <a:rPr lang="fr-FR" sz="2400" dirty="0" smtClean="0"/>
+              <a:t>MSA-Home-</a:t>
+            </a:r>
+            <a:r>
+              <a:rPr lang="fr-FR" sz="2400" dirty="0" err="1" smtClean="0"/>
+              <a:t>app</a:t>
+            </a:r>
+            <a:endParaRPr lang="fr-FR" sz="2400" dirty="0"/>
+          </a:p>
+        </p:txBody>
+      </p:sp>
+    </p:spTree>
+    <p:extLst>
+      <p:ext uri="{BB962C8B-B14F-4D97-AF65-F5344CB8AC3E}">
+        <p14:creationId xmlns:p14="http://schemas.microsoft.com/office/powerpoint/2010/main" val="767260991"/>
+      </p:ext>
+    </p:extLst>
+  </p:cSld>
+  <p:clrMapOvr>
+    <a:masterClrMapping/>
+  </p:clrMapOvr>
+  <p:timing>
+    <p:tnLst>
+      <p:par>
+        <p:cTn id="1" dur="indefinite" restart="never" nodeType="tmRoot"/>
+      </p:par>
+    </p:tnLst>
+  </p:timing>
+</p:sld>
+</file>
+
+<file path=ppt/slides/slide2.xml><?xml version="1.0" encoding="utf-8"?>
+<p:sld xmlns:a="http://schemas.openxmlformats.org/drawingml/2006/main" xmlns:r="http://schemas.openxmlformats.org/officeDocument/2006/relationships" xmlns:p="http://schemas.openxmlformats.org/presentationml/2006/main">
+  <p:cSld>
+    <p:spTree>
+      <p:nvGrpSpPr>
+        <p:cNvPr id="1" name=""/>
+        <p:cNvGrpSpPr/>
+        <p:nvPr/>
+      </p:nvGrpSpPr>
+      <p:grpSpPr>
+        <a:xfrm>
+          <a:off x="0" y="0"/>
+          <a:ext cx="0" cy="0"/>
+          <a:chOff x="0" y="0"/>
+          <a:chExt cx="0" cy="0"/>
+        </a:xfrm>
+      </p:grpSpPr>
+      <p:sp>
+        <p:nvSpPr>
+          <p:cNvPr id="35" name="Rectangle 34"/>
+          <p:cNvSpPr/>
+          <p:nvPr/>
+        </p:nvSpPr>
+        <p:spPr>
+          <a:xfrm>
+            <a:off x="487680" y="287383"/>
+            <a:ext cx="10519954" cy="5869577"/>
+          </a:xfrm>
+          <a:prstGeom prst="rect">
+            <a:avLst/>
+          </a:prstGeom>
+          <a:ln>
+            <a:noFill/>
+          </a:ln>
+          <a:effectLst>
+            <a:outerShdw blurRad="190500" dist="228600" dir="2700000" algn="ctr">
+              <a:srgbClr val="000000">
+                <a:alpha val="30000"/>
+              </a:srgbClr>
+            </a:outerShdw>
+          </a:effectLst>
+          <a:scene3d>
+            <a:camera prst="orthographicFront">
+              <a:rot lat="0" lon="0" rev="0"/>
+            </a:camera>
+            <a:lightRig rig="glow" dir="t">
+              <a:rot lat="0" lon="0" rev="4800000"/>
+            </a:lightRig>
+          </a:scene3d>
+          <a:sp3d prstMaterial="matte">
+            <a:bevelT w="127000" h="63500"/>
+          </a:sp3d>
+        </p:spPr>
+        <p:style>
+          <a:lnRef idx="2">
+            <a:schemeClr val="accent5"/>
+          </a:lnRef>
+          <a:fillRef idx="1">
+            <a:schemeClr val="lt1"/>
+          </a:fillRef>
+          <a:effectRef idx="0">
+            <a:schemeClr val="accent5"/>
+          </a:effectRef>
+          <a:fontRef idx="minor">
+            <a:schemeClr val="dk1"/>
+          </a:fontRef>
+        </p:style>
+        <p:txBody>
+          <a:bodyPr rtlCol="0" anchor="ctr"/>
+          <a:lstStyle/>
+          <a:p>
+            <a:pPr algn="ctr"/>
             <a:endParaRPr lang="fr-FR"/>
           </a:p>
         </p:txBody>
@@ -3949,7 +5800,7 @@
         </p:nvSpPr>
         <p:spPr>
           <a:xfrm>
-            <a:off x="8190411" y="1927529"/>
+            <a:off x="8090261" y="1786696"/>
             <a:ext cx="1767839" cy="338554"/>
           </a:xfrm>
           <a:prstGeom prst="rect">
@@ -3975,13 +5826,20 @@
     </p:spTree>
     <p:extLst>
       <p:ext uri="{BB962C8B-B14F-4D97-AF65-F5344CB8AC3E}">
-        <p14:creationId xmlns:p14="http://schemas.microsoft.com/office/powerpoint/2010/main" val="767260991"/>
+        <p14:creationId xmlns:p14="http://schemas.microsoft.com/office/powerpoint/2010/main" val="1637376147"/>
       </p:ext>
     </p:extLst>
   </p:cSld>
   <p:clrMapOvr>
     <a:masterClrMapping/>
   </p:clrMapOvr>
+  <p:timing>
+    <p:tnLst>
+      <p:par>
+        <p:cTn id="1" dur="indefinite" restart="never" nodeType="tmRoot"/>
+      </p:par>
+    </p:tnLst>
+  </p:timing>
 </p:sld>
 </file>
 
